--- a/python/presentations/visualisation/matplotlib_and_basemap.pptx
+++ b/python/presentations/visualisation/matplotlib_and_basemap.pptx
@@ -294,7 +294,7 @@
               <a:pPr>
                 <a:defRPr/>
               </a:pPr>
-              <a:t>09/10/2018</a:t>
+              <a:t>12/10/2018</a:t>
             </a:fld>
             <a:endParaRPr lang="en-GB" dirty="0"/>
           </a:p>
@@ -11529,7 +11529,7 @@
               <a:pPr>
                 <a:defRPr/>
               </a:pPr>
-              <a:t>09/10/2018</a:t>
+              <a:t>12/10/2018</a:t>
             </a:fld>
             <a:endParaRPr lang="en-GB" dirty="0"/>
           </a:p>
@@ -12721,14 +12721,21 @@
                 <a:latin typeface="+mn-lt"/>
                 <a:cs typeface="Calibri" panose="020F0502020204030204" pitchFamily="34" charset="0"/>
               </a:rPr>
-              <a:t>Ag Stephens and </a:t>
-            </a:r>
-            <a:r>
-              <a:rPr lang="en-GB" sz="1400" dirty="0">
+              <a:t>Ag </a:t>
+            </a:r>
+            <a:r>
+              <a:rPr lang="en-GB" sz="1400" dirty="0" smtClean="0">
                 <a:latin typeface="+mn-lt"/>
                 <a:cs typeface="Calibri" panose="020F0502020204030204" pitchFamily="34" charset="0"/>
               </a:rPr>
-              <a:t>Stephen Pascoe</a:t>
+              <a:t>Stephens, Stephen Pascoe and </a:t>
+            </a:r>
+            <a:r>
+              <a:rPr lang="en-GB" sz="1400" smtClean="0">
+                <a:latin typeface="+mn-lt"/>
+                <a:cs typeface="Calibri" panose="020F0502020204030204" pitchFamily="34" charset="0"/>
+              </a:rPr>
+              <a:t>Tommy Godfrey.</a:t>
             </a:r>
             <a:endParaRPr lang="en-GB" sz="1400" dirty="0">
               <a:latin typeface="+mn-lt"/>
@@ -24343,17 +24350,8 @@
             </a:pPr>
             <a:r>
               <a:rPr lang="en-GB" sz="3200" dirty="0"/>
-              <a:t>This </a:t>
-            </a:r>
-            <a:r>
-              <a:rPr lang="en-GB" sz="3200" dirty="0"/>
-              <a:t>slide is </a:t>
-            </a:r>
-            <a:r>
-              <a:rPr lang="en-GB" sz="3200" dirty="0"/>
-              <a:t>important</a:t>
-            </a:r>
-            <a:endParaRPr lang="en-GB" sz="3200" dirty="0"/>
+              <a:t>This slide is important</a:t>
+            </a:r>
           </a:p>
         </p:txBody>
       </p:sp>
